--- a/Study of LSTM applicability.pptx
+++ b/Study of LSTM applicability.pptx
@@ -115,6 +115,11 @@
       </a:defRPr>
     </a:lvl9pPr>
   </p:defaultTextStyle>
+  <p:extLst>
+    <p:ext uri="{EFAFB233-063F-42B5-8137-9DF3F51BA10A}">
+      <p15:sldGuideLst xmlns:p15="http://schemas.microsoft.com/office/powerpoint/2012/main"/>
+    </p:ext>
+  </p:extLst>
 </p:presentation>
 </file>
 
@@ -6496,7 +6501,7 @@
           <a:noFill/>
           <a:extLst>
             <a:ext uri="{909E8E84-426E-40dd-AFC4-6F175D3DCCD1}">
-              <a14:hiddenFill xmlns:a14="http://schemas.microsoft.com/office/drawing/2010/main" xmlns="">
+              <a14:hiddenFill xmlns="" xmlns:a14="http://schemas.microsoft.com/office/drawing/2010/main">
                 <a:solidFill>
                   <a:srgbClr val="FFFFFF"/>
                 </a:solidFill>
@@ -6555,7 +6560,7 @@
             </a:ln>
             <a:extLst>
               <a:ext uri="{91240B29-F687-4f45-9708-019B960494DF}">
-                <a14:hiddenLine xmlns:a14="http://schemas.microsoft.com/office/drawing/2010/main" xmlns="" w="9525">
+                <a14:hiddenLine xmlns="" xmlns:a14="http://schemas.microsoft.com/office/drawing/2010/main" w="9525">
                   <a:solidFill>
                     <a:srgbClr val="000000"/>
                   </a:solidFill>
@@ -6645,7 +6650,7 @@
             </a:ln>
             <a:extLst>
               <a:ext uri="{91240B29-F687-4f45-9708-019B960494DF}">
-                <a14:hiddenLine xmlns:a14="http://schemas.microsoft.com/office/drawing/2010/main" xmlns="" w="9525">
+                <a14:hiddenLine xmlns="" xmlns:a14="http://schemas.microsoft.com/office/drawing/2010/main" w="9525">
                   <a:solidFill>
                     <a:srgbClr val="000000"/>
                   </a:solidFill>
@@ -6735,7 +6740,7 @@
             </a:ln>
             <a:extLst>
               <a:ext uri="{91240B29-F687-4f45-9708-019B960494DF}">
-                <a14:hiddenLine xmlns:a14="http://schemas.microsoft.com/office/drawing/2010/main" xmlns="" w="9525">
+                <a14:hiddenLine xmlns="" xmlns:a14="http://schemas.microsoft.com/office/drawing/2010/main" w="9525">
                   <a:solidFill>
                     <a:srgbClr val="000000"/>
                   </a:solidFill>
@@ -6769,7 +6774,7 @@
             </a:ln>
             <a:extLst>
               <a:ext uri="{91240B29-F687-4f45-9708-019B960494DF}">
-                <a14:hiddenLine xmlns:a14="http://schemas.microsoft.com/office/drawing/2010/main" xmlns="" w="9525">
+                <a14:hiddenLine xmlns="" xmlns:a14="http://schemas.microsoft.com/office/drawing/2010/main" w="9525">
                   <a:solidFill>
                     <a:srgbClr val="000000"/>
                   </a:solidFill>
@@ -6859,7 +6864,7 @@
             </a:ln>
             <a:extLst>
               <a:ext uri="{91240B29-F687-4f45-9708-019B960494DF}">
-                <a14:hiddenLine xmlns:a14="http://schemas.microsoft.com/office/drawing/2010/main" xmlns="" w="9525">
+                <a14:hiddenLine xmlns="" xmlns:a14="http://schemas.microsoft.com/office/drawing/2010/main" w="9525">
                   <a:solidFill>
                     <a:srgbClr val="000000"/>
                   </a:solidFill>
@@ -6921,7 +6926,7 @@
             </a:ln>
             <a:extLst>
               <a:ext uri="{91240B29-F687-4f45-9708-019B960494DF}">
-                <a14:hiddenLine xmlns:a14="http://schemas.microsoft.com/office/drawing/2010/main" xmlns="" w="9525">
+                <a14:hiddenLine xmlns="" xmlns:a14="http://schemas.microsoft.com/office/drawing/2010/main" w="9525">
                   <a:solidFill>
                     <a:srgbClr val="000000"/>
                   </a:solidFill>
@@ -6983,7 +6988,7 @@
             </a:ln>
             <a:extLst>
               <a:ext uri="{91240B29-F687-4f45-9708-019B960494DF}">
-                <a14:hiddenLine xmlns:a14="http://schemas.microsoft.com/office/drawing/2010/main" xmlns="" w="9525">
+                <a14:hiddenLine xmlns="" xmlns:a14="http://schemas.microsoft.com/office/drawing/2010/main" w="9525">
                   <a:solidFill>
                     <a:srgbClr val="000000"/>
                   </a:solidFill>
@@ -7073,7 +7078,7 @@
             </a:ln>
             <a:extLst>
               <a:ext uri="{91240B29-F687-4f45-9708-019B960494DF}">
-                <a14:hiddenLine xmlns:a14="http://schemas.microsoft.com/office/drawing/2010/main" xmlns="" w="9525">
+                <a14:hiddenLine xmlns="" xmlns:a14="http://schemas.microsoft.com/office/drawing/2010/main" w="9525">
                   <a:solidFill>
                     <a:srgbClr val="000000"/>
                   </a:solidFill>
@@ -7135,7 +7140,7 @@
             </a:ln>
             <a:extLst>
               <a:ext uri="{91240B29-F687-4f45-9708-019B960494DF}">
-                <a14:hiddenLine xmlns:a14="http://schemas.microsoft.com/office/drawing/2010/main" xmlns="" w="9525">
+                <a14:hiddenLine xmlns="" xmlns:a14="http://schemas.microsoft.com/office/drawing/2010/main" w="9525">
                   <a:solidFill>
                     <a:srgbClr val="000000"/>
                   </a:solidFill>
@@ -7197,7 +7202,7 @@
             </a:ln>
             <a:extLst>
               <a:ext uri="{91240B29-F687-4f45-9708-019B960494DF}">
-                <a14:hiddenLine xmlns:a14="http://schemas.microsoft.com/office/drawing/2010/main" xmlns="" w="9525">
+                <a14:hiddenLine xmlns="" xmlns:a14="http://schemas.microsoft.com/office/drawing/2010/main" w="9525">
                   <a:solidFill>
                     <a:srgbClr val="000000"/>
                   </a:solidFill>
@@ -7287,7 +7292,7 @@
             </a:ln>
             <a:extLst>
               <a:ext uri="{91240B29-F687-4f45-9708-019B960494DF}">
-                <a14:hiddenLine xmlns:a14="http://schemas.microsoft.com/office/drawing/2010/main" xmlns="" w="9525">
+                <a14:hiddenLine xmlns="" xmlns:a14="http://schemas.microsoft.com/office/drawing/2010/main" w="9525">
                   <a:solidFill>
                     <a:srgbClr val="000000"/>
                   </a:solidFill>
@@ -7377,7 +7382,7 @@
             </a:ln>
             <a:extLst>
               <a:ext uri="{91240B29-F687-4f45-9708-019B960494DF}">
-                <a14:hiddenLine xmlns:a14="http://schemas.microsoft.com/office/drawing/2010/main" xmlns="" w="9525">
+                <a14:hiddenLine xmlns="" xmlns:a14="http://schemas.microsoft.com/office/drawing/2010/main" w="9525">
                   <a:solidFill>
                     <a:srgbClr val="000000"/>
                   </a:solidFill>
@@ -7439,7 +7444,7 @@
             </a:ln>
             <a:extLst>
               <a:ext uri="{91240B29-F687-4f45-9708-019B960494DF}">
-                <a14:hiddenLine xmlns:a14="http://schemas.microsoft.com/office/drawing/2010/main" xmlns="" w="9525">
+                <a14:hiddenLine xmlns="" xmlns:a14="http://schemas.microsoft.com/office/drawing/2010/main" w="9525">
                   <a:solidFill>
                     <a:srgbClr val="000000"/>
                   </a:solidFill>
@@ -7549,7 +7554,7 @@
             </a:ln>
             <a:extLst>
               <a:ext uri="{91240B29-F687-4f45-9708-019B960494DF}">
-                <a14:hiddenLine xmlns:a14="http://schemas.microsoft.com/office/drawing/2010/main" xmlns="" w="9525">
+                <a14:hiddenLine xmlns="" xmlns:a14="http://schemas.microsoft.com/office/drawing/2010/main" w="9525">
                   <a:solidFill>
                     <a:srgbClr val="000000"/>
                   </a:solidFill>
@@ -7611,7 +7616,7 @@
             </a:ln>
             <a:extLst>
               <a:ext uri="{91240B29-F687-4f45-9708-019B960494DF}">
-                <a14:hiddenLine xmlns:a14="http://schemas.microsoft.com/office/drawing/2010/main" xmlns="" w="9525">
+                <a14:hiddenLine xmlns="" xmlns:a14="http://schemas.microsoft.com/office/drawing/2010/main" w="9525">
                   <a:solidFill>
                     <a:srgbClr val="000000"/>
                   </a:solidFill>
@@ -7701,7 +7706,7 @@
             </a:ln>
             <a:extLst>
               <a:ext uri="{91240B29-F687-4f45-9708-019B960494DF}">
-                <a14:hiddenLine xmlns:a14="http://schemas.microsoft.com/office/drawing/2010/main" xmlns="" w="9525">
+                <a14:hiddenLine xmlns="" xmlns:a14="http://schemas.microsoft.com/office/drawing/2010/main" w="9525">
                   <a:solidFill>
                     <a:srgbClr val="000000"/>
                   </a:solidFill>
@@ -7791,7 +7796,7 @@
             </a:ln>
             <a:extLst>
               <a:ext uri="{91240B29-F687-4f45-9708-019B960494DF}">
-                <a14:hiddenLine xmlns:a14="http://schemas.microsoft.com/office/drawing/2010/main" xmlns="" w="9525">
+                <a14:hiddenLine xmlns="" xmlns:a14="http://schemas.microsoft.com/office/drawing/2010/main" w="9525">
                   <a:solidFill>
                     <a:srgbClr val="000000"/>
                   </a:solidFill>
@@ -7853,7 +7858,7 @@
             </a:ln>
             <a:extLst>
               <a:ext uri="{91240B29-F687-4f45-9708-019B960494DF}">
-                <a14:hiddenLine xmlns:a14="http://schemas.microsoft.com/office/drawing/2010/main" xmlns="" w="9525">
+                <a14:hiddenLine xmlns="" xmlns:a14="http://schemas.microsoft.com/office/drawing/2010/main" w="9525">
                   <a:solidFill>
                     <a:srgbClr val="000000"/>
                   </a:solidFill>
@@ -7943,7 +7948,7 @@
             </a:ln>
             <a:extLst>
               <a:ext uri="{91240B29-F687-4f45-9708-019B960494DF}">
-                <a14:hiddenLine xmlns:a14="http://schemas.microsoft.com/office/drawing/2010/main" xmlns="" w="9525">
+                <a14:hiddenLine xmlns="" xmlns:a14="http://schemas.microsoft.com/office/drawing/2010/main" w="9525">
                   <a:solidFill>
                     <a:srgbClr val="000000"/>
                   </a:solidFill>
@@ -8033,7 +8038,7 @@
             </a:ln>
             <a:extLst>
               <a:ext uri="{91240B29-F687-4f45-9708-019B960494DF}">
-                <a14:hiddenLine xmlns:a14="http://schemas.microsoft.com/office/drawing/2010/main" xmlns="" w="9525">
+                <a14:hiddenLine xmlns="" xmlns:a14="http://schemas.microsoft.com/office/drawing/2010/main" w="9525">
                   <a:solidFill>
                     <a:srgbClr val="000000"/>
                   </a:solidFill>
@@ -8089,7 +8094,7 @@
             </a:ln>
             <a:extLst>
               <a:ext uri="{91240B29-F687-4f45-9708-019B960494DF}">
-                <a14:hiddenLine xmlns:a14="http://schemas.microsoft.com/office/drawing/2010/main" xmlns="" w="9525">
+                <a14:hiddenLine xmlns="" xmlns:a14="http://schemas.microsoft.com/office/drawing/2010/main" w="9525">
                   <a:solidFill>
                     <a:srgbClr val="000000"/>
                   </a:solidFill>
@@ -8179,7 +8184,7 @@
             </a:ln>
             <a:extLst>
               <a:ext uri="{91240B29-F687-4f45-9708-019B960494DF}">
-                <a14:hiddenLine xmlns:a14="http://schemas.microsoft.com/office/drawing/2010/main" xmlns="" w="9525">
+                <a14:hiddenLine xmlns="" xmlns:a14="http://schemas.microsoft.com/office/drawing/2010/main" w="9525">
                   <a:solidFill>
                     <a:srgbClr val="000000"/>
                   </a:solidFill>
@@ -8235,7 +8240,7 @@
             </a:ln>
             <a:extLst>
               <a:ext uri="{91240B29-F687-4f45-9708-019B960494DF}">
-                <a14:hiddenLine xmlns:a14="http://schemas.microsoft.com/office/drawing/2010/main" xmlns="" w="9525">
+                <a14:hiddenLine xmlns="" xmlns:a14="http://schemas.microsoft.com/office/drawing/2010/main" w="9525">
                   <a:solidFill>
                     <a:srgbClr val="000000"/>
                   </a:solidFill>
@@ -8325,7 +8330,7 @@
             </a:ln>
             <a:extLst>
               <a:ext uri="{91240B29-F687-4f45-9708-019B960494DF}">
-                <a14:hiddenLine xmlns:a14="http://schemas.microsoft.com/office/drawing/2010/main" xmlns="" w="9525">
+                <a14:hiddenLine xmlns="" xmlns:a14="http://schemas.microsoft.com/office/drawing/2010/main" w="9525">
                   <a:solidFill>
                     <a:srgbClr val="000000"/>
                   </a:solidFill>
@@ -8393,7 +8398,7 @@
             </a:ln>
             <a:extLst>
               <a:ext uri="{91240B29-F687-4f45-9708-019B960494DF}">
-                <a14:hiddenLine xmlns:a14="http://schemas.microsoft.com/office/drawing/2010/main" xmlns="" w="9525">
+                <a14:hiddenLine xmlns="" xmlns:a14="http://schemas.microsoft.com/office/drawing/2010/main" w="9525">
                   <a:solidFill>
                     <a:srgbClr val="000000"/>
                   </a:solidFill>
@@ -8483,7 +8488,7 @@
             </a:ln>
             <a:extLst>
               <a:ext uri="{91240B29-F687-4f45-9708-019B960494DF}">
-                <a14:hiddenLine xmlns:a14="http://schemas.microsoft.com/office/drawing/2010/main" xmlns="" w="9525">
+                <a14:hiddenLine xmlns="" xmlns:a14="http://schemas.microsoft.com/office/drawing/2010/main" w="9525">
                   <a:solidFill>
                     <a:srgbClr val="000000"/>
                   </a:solidFill>
@@ -8551,7 +8556,7 @@
             </a:ln>
             <a:extLst>
               <a:ext uri="{91240B29-F687-4f45-9708-019B960494DF}">
-                <a14:hiddenLine xmlns:a14="http://schemas.microsoft.com/office/drawing/2010/main" xmlns="" w="9525">
+                <a14:hiddenLine xmlns="" xmlns:a14="http://schemas.microsoft.com/office/drawing/2010/main" w="9525">
                   <a:solidFill>
                     <a:srgbClr val="000000"/>
                   </a:solidFill>
@@ -8641,7 +8646,7 @@
             </a:ln>
             <a:extLst>
               <a:ext uri="{91240B29-F687-4f45-9708-019B960494DF}">
-                <a14:hiddenLine xmlns:a14="http://schemas.microsoft.com/office/drawing/2010/main" xmlns="" w="9525">
+                <a14:hiddenLine xmlns="" xmlns:a14="http://schemas.microsoft.com/office/drawing/2010/main" w="9525">
                   <a:solidFill>
                     <a:srgbClr val="000000"/>
                   </a:solidFill>
@@ -8675,7 +8680,7 @@
             </a:ln>
             <a:extLst>
               <a:ext uri="{91240B29-F687-4f45-9708-019B960494DF}">
-                <a14:hiddenLine xmlns:a14="http://schemas.microsoft.com/office/drawing/2010/main" xmlns="" w="9525">
+                <a14:hiddenLine xmlns="" xmlns:a14="http://schemas.microsoft.com/office/drawing/2010/main" w="9525">
                   <a:solidFill>
                     <a:srgbClr val="000000"/>
                   </a:solidFill>
@@ -8765,7 +8770,7 @@
             </a:ln>
             <a:extLst>
               <a:ext uri="{91240B29-F687-4f45-9708-019B960494DF}">
-                <a14:hiddenLine xmlns:a14="http://schemas.microsoft.com/office/drawing/2010/main" xmlns="" w="9525">
+                <a14:hiddenLine xmlns="" xmlns:a14="http://schemas.microsoft.com/office/drawing/2010/main" w="9525">
                   <a:solidFill>
                     <a:srgbClr val="000000"/>
                   </a:solidFill>
@@ -8827,7 +8832,7 @@
             </a:ln>
             <a:extLst>
               <a:ext uri="{91240B29-F687-4f45-9708-019B960494DF}">
-                <a14:hiddenLine xmlns:a14="http://schemas.microsoft.com/office/drawing/2010/main" xmlns="" w="9525">
+                <a14:hiddenLine xmlns="" xmlns:a14="http://schemas.microsoft.com/office/drawing/2010/main" w="9525">
                   <a:solidFill>
                     <a:srgbClr val="000000"/>
                   </a:solidFill>
@@ -8889,7 +8894,7 @@
             </a:ln>
             <a:extLst>
               <a:ext uri="{91240B29-F687-4f45-9708-019B960494DF}">
-                <a14:hiddenLine xmlns:a14="http://schemas.microsoft.com/office/drawing/2010/main" xmlns="" w="9525">
+                <a14:hiddenLine xmlns="" xmlns:a14="http://schemas.microsoft.com/office/drawing/2010/main" w="9525">
                   <a:solidFill>
                     <a:srgbClr val="000000"/>
                   </a:solidFill>
@@ -8979,7 +8984,7 @@
             </a:ln>
             <a:extLst>
               <a:ext uri="{91240B29-F687-4f45-9708-019B960494DF}">
-                <a14:hiddenLine xmlns:a14="http://schemas.microsoft.com/office/drawing/2010/main" xmlns="" w="9525">
+                <a14:hiddenLine xmlns="" xmlns:a14="http://schemas.microsoft.com/office/drawing/2010/main" w="9525">
                   <a:solidFill>
                     <a:srgbClr val="000000"/>
                   </a:solidFill>
@@ -9047,7 +9052,7 @@
             </a:ln>
             <a:extLst>
               <a:ext uri="{91240B29-F687-4f45-9708-019B960494DF}">
-                <a14:hiddenLine xmlns:a14="http://schemas.microsoft.com/office/drawing/2010/main" xmlns="" w="9525">
+                <a14:hiddenLine xmlns="" xmlns:a14="http://schemas.microsoft.com/office/drawing/2010/main" w="9525">
                   <a:solidFill>
                     <a:srgbClr val="000000"/>
                   </a:solidFill>
@@ -9109,7 +9114,7 @@
             </a:ln>
             <a:extLst>
               <a:ext uri="{91240B29-F687-4f45-9708-019B960494DF}">
-                <a14:hiddenLine xmlns:a14="http://schemas.microsoft.com/office/drawing/2010/main" xmlns="" w="9525">
+                <a14:hiddenLine xmlns="" xmlns:a14="http://schemas.microsoft.com/office/drawing/2010/main" w="9525">
                   <a:solidFill>
                     <a:srgbClr val="000000"/>
                   </a:solidFill>
@@ -9199,7 +9204,7 @@
             </a:ln>
             <a:extLst>
               <a:ext uri="{91240B29-F687-4f45-9708-019B960494DF}">
-                <a14:hiddenLine xmlns:a14="http://schemas.microsoft.com/office/drawing/2010/main" xmlns="" w="9525">
+                <a14:hiddenLine xmlns="" xmlns:a14="http://schemas.microsoft.com/office/drawing/2010/main" w="9525">
                   <a:solidFill>
                     <a:srgbClr val="000000"/>
                   </a:solidFill>
@@ -9261,7 +9266,7 @@
             </a:ln>
             <a:extLst>
               <a:ext uri="{91240B29-F687-4f45-9708-019B960494DF}">
-                <a14:hiddenLine xmlns:a14="http://schemas.microsoft.com/office/drawing/2010/main" xmlns="" w="9525">
+                <a14:hiddenLine xmlns="" xmlns:a14="http://schemas.microsoft.com/office/drawing/2010/main" w="9525">
                   <a:solidFill>
                     <a:srgbClr val="000000"/>
                   </a:solidFill>
@@ -9351,7 +9356,7 @@
             </a:ln>
             <a:extLst>
               <a:ext uri="{91240B29-F687-4f45-9708-019B960494DF}">
-                <a14:hiddenLine xmlns:a14="http://schemas.microsoft.com/office/drawing/2010/main" xmlns="" w="9525">
+                <a14:hiddenLine xmlns="" xmlns:a14="http://schemas.microsoft.com/office/drawing/2010/main" w="9525">
                   <a:solidFill>
                     <a:srgbClr val="000000"/>
                   </a:solidFill>
@@ -9413,7 +9418,7 @@
             </a:ln>
             <a:extLst>
               <a:ext uri="{91240B29-F687-4f45-9708-019B960494DF}">
-                <a14:hiddenLine xmlns:a14="http://schemas.microsoft.com/office/drawing/2010/main" xmlns="" w="9525">
+                <a14:hiddenLine xmlns="" xmlns:a14="http://schemas.microsoft.com/office/drawing/2010/main" w="9525">
                   <a:solidFill>
                     <a:srgbClr val="000000"/>
                   </a:solidFill>
@@ -9503,7 +9508,7 @@
             </a:ln>
             <a:extLst>
               <a:ext uri="{91240B29-F687-4f45-9708-019B960494DF}">
-                <a14:hiddenLine xmlns:a14="http://schemas.microsoft.com/office/drawing/2010/main" xmlns="" w="9525">
+                <a14:hiddenLine xmlns="" xmlns:a14="http://schemas.microsoft.com/office/drawing/2010/main" w="9525">
                   <a:solidFill>
                     <a:srgbClr val="000000"/>
                   </a:solidFill>
@@ -9537,7 +9542,7 @@
             </a:ln>
             <a:extLst>
               <a:ext uri="{91240B29-F687-4f45-9708-019B960494DF}">
-                <a14:hiddenLine xmlns:a14="http://schemas.microsoft.com/office/drawing/2010/main" xmlns="" w="9525">
+                <a14:hiddenLine xmlns="" xmlns:a14="http://schemas.microsoft.com/office/drawing/2010/main" w="9525">
                   <a:solidFill>
                     <a:srgbClr val="000000"/>
                   </a:solidFill>
@@ -9602,7 +9607,7 @@
             </a:ln>
             <a:extLst>
               <a:ext uri="{91240B29-F687-4f45-9708-019B960494DF}">
-                <a14:hiddenLine xmlns:a14="http://schemas.microsoft.com/office/drawing/2010/main" xmlns="" w="9525">
+                <a14:hiddenLine xmlns="" xmlns:a14="http://schemas.microsoft.com/office/drawing/2010/main" w="9525">
                   <a:solidFill>
                     <a:srgbClr val="000000"/>
                   </a:solidFill>
@@ -9692,7 +9697,7 @@
             </a:ln>
             <a:extLst>
               <a:ext uri="{91240B29-F687-4f45-9708-019B960494DF}">
-                <a14:hiddenLine xmlns:a14="http://schemas.microsoft.com/office/drawing/2010/main" xmlns="" w="9525">
+                <a14:hiddenLine xmlns="" xmlns:a14="http://schemas.microsoft.com/office/drawing/2010/main" w="9525">
                   <a:solidFill>
                     <a:srgbClr val="000000"/>
                   </a:solidFill>
@@ -9754,7 +9759,7 @@
             </a:ln>
             <a:extLst>
               <a:ext uri="{91240B29-F687-4f45-9708-019B960494DF}">
-                <a14:hiddenLine xmlns:a14="http://schemas.microsoft.com/office/drawing/2010/main" xmlns="" w="9525">
+                <a14:hiddenLine xmlns="" xmlns:a14="http://schemas.microsoft.com/office/drawing/2010/main" w="9525">
                   <a:solidFill>
                     <a:srgbClr val="000000"/>
                   </a:solidFill>
@@ -9844,7 +9849,7 @@
             </a:ln>
             <a:extLst>
               <a:ext uri="{91240B29-F687-4f45-9708-019B960494DF}">
-                <a14:hiddenLine xmlns:a14="http://schemas.microsoft.com/office/drawing/2010/main" xmlns="" w="9525">
+                <a14:hiddenLine xmlns="" xmlns:a14="http://schemas.microsoft.com/office/drawing/2010/main" w="9525">
                   <a:solidFill>
                     <a:srgbClr val="000000"/>
                   </a:solidFill>
@@ -9934,7 +9939,7 @@
             </a:ln>
             <a:extLst>
               <a:ext uri="{91240B29-F687-4f45-9708-019B960494DF}">
-                <a14:hiddenLine xmlns:a14="http://schemas.microsoft.com/office/drawing/2010/main" xmlns="" w="9525">
+                <a14:hiddenLine xmlns="" xmlns:a14="http://schemas.microsoft.com/office/drawing/2010/main" w="9525">
                   <a:solidFill>
                     <a:srgbClr val="000000"/>
                   </a:solidFill>
@@ -9999,7 +10004,7 @@
             </a:ln>
             <a:extLst>
               <a:ext uri="{91240B29-F687-4f45-9708-019B960494DF}">
-                <a14:hiddenLine xmlns:a14="http://schemas.microsoft.com/office/drawing/2010/main" xmlns="" w="9525">
+                <a14:hiddenLine xmlns="" xmlns:a14="http://schemas.microsoft.com/office/drawing/2010/main" w="9525">
                   <a:solidFill>
                     <a:srgbClr val="000000"/>
                   </a:solidFill>
@@ -10061,7 +10066,7 @@
             </a:ln>
             <a:extLst>
               <a:ext uri="{91240B29-F687-4f45-9708-019B960494DF}">
-                <a14:hiddenLine xmlns:a14="http://schemas.microsoft.com/office/drawing/2010/main" xmlns="" w="9525">
+                <a14:hiddenLine xmlns="" xmlns:a14="http://schemas.microsoft.com/office/drawing/2010/main" w="9525">
                   <a:solidFill>
                     <a:srgbClr val="000000"/>
                   </a:solidFill>
@@ -10151,7 +10156,7 @@
             </a:ln>
             <a:extLst>
               <a:ext uri="{91240B29-F687-4f45-9708-019B960494DF}">
-                <a14:hiddenLine xmlns:a14="http://schemas.microsoft.com/office/drawing/2010/main" xmlns="" w="9525">
+                <a14:hiddenLine xmlns="" xmlns:a14="http://schemas.microsoft.com/office/drawing/2010/main" w="9525">
                   <a:solidFill>
                     <a:srgbClr val="000000"/>
                   </a:solidFill>
@@ -10241,7 +10246,7 @@
             </a:ln>
             <a:extLst>
               <a:ext uri="{91240B29-F687-4f45-9708-019B960494DF}">
-                <a14:hiddenLine xmlns:a14="http://schemas.microsoft.com/office/drawing/2010/main" xmlns="" w="9525">
+                <a14:hiddenLine xmlns="" xmlns:a14="http://schemas.microsoft.com/office/drawing/2010/main" w="9525">
                   <a:solidFill>
                     <a:srgbClr val="000000"/>
                   </a:solidFill>
@@ -10303,7 +10308,7 @@
             </a:ln>
             <a:extLst>
               <a:ext uri="{91240B29-F687-4f45-9708-019B960494DF}">
-                <a14:hiddenLine xmlns:a14="http://schemas.microsoft.com/office/drawing/2010/main" xmlns="" w="9525">
+                <a14:hiddenLine xmlns="" xmlns:a14="http://schemas.microsoft.com/office/drawing/2010/main" w="9525">
                   <a:solidFill>
                     <a:srgbClr val="000000"/>
                   </a:solidFill>
@@ -10423,7 +10428,7 @@
             </a:ln>
             <a:extLst>
               <a:ext uri="{91240B29-F687-4f45-9708-019B960494DF}">
-                <a14:hiddenLine xmlns:a14="http://schemas.microsoft.com/office/drawing/2010/main" xmlns="" w="9525">
+                <a14:hiddenLine xmlns="" xmlns:a14="http://schemas.microsoft.com/office/drawing/2010/main" w="9525">
                   <a:solidFill>
                     <a:srgbClr val="000000"/>
                   </a:solidFill>
@@ -10491,7 +10496,7 @@
             </a:ln>
             <a:extLst>
               <a:ext uri="{91240B29-F687-4f45-9708-019B960494DF}">
-                <a14:hiddenLine xmlns:a14="http://schemas.microsoft.com/office/drawing/2010/main" xmlns="" w="9525">
+                <a14:hiddenLine xmlns="" xmlns:a14="http://schemas.microsoft.com/office/drawing/2010/main" w="9525">
                   <a:solidFill>
                     <a:srgbClr val="000000"/>
                   </a:solidFill>
@@ -10581,7 +10586,7 @@
             </a:ln>
             <a:extLst>
               <a:ext uri="{91240B29-F687-4f45-9708-019B960494DF}">
-                <a14:hiddenLine xmlns:a14="http://schemas.microsoft.com/office/drawing/2010/main" xmlns="" w="9525">
+                <a14:hiddenLine xmlns="" xmlns:a14="http://schemas.microsoft.com/office/drawing/2010/main" w="9525">
                   <a:solidFill>
                     <a:srgbClr val="000000"/>
                   </a:solidFill>
@@ -10723,7 +10728,7 @@
             <a:fld id="{A5B0A250-5CC0-1746-B209-08E8B0DAE6AF}" type="datetimeFigureOut">
               <a:rPr lang="en-US" smtClean="0"/>
               <a:pPr algn="l"/>
-              <a:t>11/29/2021</a:t>
+              <a:t>12/12/2021</a:t>
             </a:fld>
             <a:endParaRPr lang="en-US" dirty="0"/>
           </a:p>
@@ -10991,7 +10996,7 @@
             <a:fld id="{A5B0A250-5CC0-1746-B209-08E8B0DAE6AF}" type="datetimeFigureOut">
               <a:rPr lang="en-US" smtClean="0"/>
               <a:pPr/>
-              <a:t>11/29/2021</a:t>
+              <a:t>12/12/2021</a:t>
             </a:fld>
             <a:endParaRPr lang="en-US" dirty="0"/>
           </a:p>
@@ -11189,7 +11194,7 @@
             <a:fld id="{A5B0A250-5CC0-1746-B209-08E8B0DAE6AF}" type="datetimeFigureOut">
               <a:rPr lang="en-US" smtClean="0"/>
               <a:pPr/>
-              <a:t>11/29/2021</a:t>
+              <a:t>12/12/2021</a:t>
             </a:fld>
             <a:endParaRPr lang="en-US" dirty="0"/>
           </a:p>
@@ -11454,7 +11459,7 @@
             <a:fld id="{A5B0A250-5CC0-1746-B209-08E8B0DAE6AF}" type="datetimeFigureOut">
               <a:rPr lang="en-US" smtClean="0"/>
               <a:pPr/>
-              <a:t>11/29/2021</a:t>
+              <a:t>12/12/2021</a:t>
             </a:fld>
             <a:endParaRPr lang="en-US" dirty="0"/>
           </a:p>
@@ -11890,7 +11895,7 @@
             <a:fld id="{A5B0A250-5CC0-1746-B209-08E8B0DAE6AF}" type="datetimeFigureOut">
               <a:rPr lang="en-US" smtClean="0"/>
               <a:pPr/>
-              <a:t>11/29/2021</a:t>
+              <a:t>12/12/2021</a:t>
             </a:fld>
             <a:endParaRPr lang="en-US" dirty="0"/>
           </a:p>
@@ -12438,7 +12443,7 @@
             <a:fld id="{A5B0A250-5CC0-1746-B209-08E8B0DAE6AF}" type="datetimeFigureOut">
               <a:rPr lang="en-US" smtClean="0"/>
               <a:pPr/>
-              <a:t>11/29/2021</a:t>
+              <a:t>12/12/2021</a:t>
             </a:fld>
             <a:endParaRPr lang="en-US" dirty="0"/>
           </a:p>
@@ -13160,7 +13165,7 @@
             <a:fld id="{A5B0A250-5CC0-1746-B209-08E8B0DAE6AF}" type="datetimeFigureOut">
               <a:rPr lang="en-US" smtClean="0"/>
               <a:pPr/>
-              <a:t>11/29/2021</a:t>
+              <a:t>12/12/2021</a:t>
             </a:fld>
             <a:endParaRPr lang="en-US" dirty="0"/>
           </a:p>
@@ -13331,7 +13336,7 @@
           <a:p>
             <a:fld id="{A5B0A250-5CC0-1746-B209-08E8B0DAE6AF}" type="datetimeFigureOut">
               <a:rPr lang="en-US" smtClean="0"/>
-              <a:t>11/29/2021</a:t>
+              <a:t>12/12/2021</a:t>
             </a:fld>
             <a:endParaRPr lang="en-US" dirty="0"/>
           </a:p>
@@ -13511,7 +13516,7 @@
           <a:p>
             <a:fld id="{A5B0A250-5CC0-1746-B209-08E8B0DAE6AF}" type="datetimeFigureOut">
               <a:rPr lang="en-US" smtClean="0"/>
-              <a:t>11/29/2021</a:t>
+              <a:t>12/12/2021</a:t>
             </a:fld>
             <a:endParaRPr lang="en-US"/>
           </a:p>
@@ -13681,7 +13686,7 @@
           <a:p>
             <a:fld id="{A5B0A250-5CC0-1746-B209-08E8B0DAE6AF}" type="datetimeFigureOut">
               <a:rPr lang="en-US" smtClean="0"/>
-              <a:t>11/29/2021</a:t>
+              <a:t>12/12/2021</a:t>
             </a:fld>
             <a:endParaRPr lang="en-US" dirty="0"/>
           </a:p>
@@ -13931,7 +13936,7 @@
           <a:p>
             <a:fld id="{A5B0A250-5CC0-1746-B209-08E8B0DAE6AF}" type="datetimeFigureOut">
               <a:rPr lang="en-US" smtClean="0"/>
-              <a:t>11/29/2021</a:t>
+              <a:t>12/12/2021</a:t>
             </a:fld>
             <a:endParaRPr lang="en-US" dirty="0"/>
           </a:p>
@@ -14163,7 +14168,7 @@
           <a:p>
             <a:fld id="{A5B0A250-5CC0-1746-B209-08E8B0DAE6AF}" type="datetimeFigureOut">
               <a:rPr lang="en-US" smtClean="0"/>
-              <a:t>11/29/2021</a:t>
+              <a:t>12/12/2021</a:t>
             </a:fld>
             <a:endParaRPr lang="en-US" dirty="0"/>
           </a:p>
@@ -14544,7 +14549,7 @@
           <a:p>
             <a:fld id="{A5B0A250-5CC0-1746-B209-08E8B0DAE6AF}" type="datetimeFigureOut">
               <a:rPr lang="en-US" smtClean="0"/>
-              <a:t>11/29/2021</a:t>
+              <a:t>12/12/2021</a:t>
             </a:fld>
             <a:endParaRPr lang="en-US" dirty="0"/>
           </a:p>
@@ -14662,7 +14667,7 @@
           <a:p>
             <a:fld id="{A5B0A250-5CC0-1746-B209-08E8B0DAE6AF}" type="datetimeFigureOut">
               <a:rPr lang="en-US" smtClean="0"/>
-              <a:t>11/29/2021</a:t>
+              <a:t>12/12/2021</a:t>
             </a:fld>
             <a:endParaRPr lang="en-US" dirty="0"/>
           </a:p>
@@ -14758,7 +14763,7 @@
             <a:fld id="{A5B0A250-5CC0-1746-B209-08E8B0DAE6AF}" type="datetimeFigureOut">
               <a:rPr lang="en-US" smtClean="0"/>
               <a:pPr/>
-              <a:t>11/29/2021</a:t>
+              <a:t>12/12/2021</a:t>
             </a:fld>
             <a:endParaRPr lang="en-US" dirty="0"/>
           </a:p>
@@ -15008,7 +15013,7 @@
           <a:p>
             <a:fld id="{A5B0A250-5CC0-1746-B209-08E8B0DAE6AF}" type="datetimeFigureOut">
               <a:rPr lang="en-US" smtClean="0"/>
-              <a:t>11/29/2021</a:t>
+              <a:t>12/12/2021</a:t>
             </a:fld>
             <a:endParaRPr lang="en-US" dirty="0"/>
           </a:p>
@@ -15288,7 +15293,7 @@
           <a:p>
             <a:fld id="{A5B0A250-5CC0-1746-B209-08E8B0DAE6AF}" type="datetimeFigureOut">
               <a:rPr lang="en-US" smtClean="0"/>
-              <a:t>11/29/2021</a:t>
+              <a:t>12/12/2021</a:t>
             </a:fld>
             <a:endParaRPr lang="en-US" dirty="0"/>
           </a:p>
@@ -15411,7 +15416,7 @@
           <a:noFill/>
           <a:extLst>
             <a:ext uri="{909E8E84-426E-40dd-AFC4-6F175D3DCCD1}">
-              <a14:hiddenFill xmlns:a14="http://schemas.microsoft.com/office/drawing/2010/main" xmlns="">
+              <a14:hiddenFill xmlns="" xmlns:a14="http://schemas.microsoft.com/office/drawing/2010/main">
                 <a:solidFill>
                   <a:srgbClr val="FFFFFF"/>
                 </a:solidFill>
@@ -15485,7 +15490,7 @@
               </a:ln>
               <a:extLst>
                 <a:ext uri="{91240B29-F687-4f45-9708-019B960494DF}">
-                  <a14:hiddenLine xmlns:a14="http://schemas.microsoft.com/office/drawing/2010/main" xmlns="" w="9525">
+                  <a14:hiddenLine xmlns="" xmlns:a14="http://schemas.microsoft.com/office/drawing/2010/main" w="9525">
                     <a:solidFill>
                       <a:srgbClr val="000000"/>
                     </a:solidFill>
@@ -15575,7 +15580,7 @@
               </a:ln>
               <a:extLst>
                 <a:ext uri="{91240B29-F687-4f45-9708-019B960494DF}">
-                  <a14:hiddenLine xmlns:a14="http://schemas.microsoft.com/office/drawing/2010/main" xmlns="" w="9525">
+                  <a14:hiddenLine xmlns="" xmlns:a14="http://schemas.microsoft.com/office/drawing/2010/main" w="9525">
                     <a:solidFill>
                       <a:srgbClr val="000000"/>
                     </a:solidFill>
@@ -15665,7 +15670,7 @@
               </a:ln>
               <a:extLst>
                 <a:ext uri="{91240B29-F687-4f45-9708-019B960494DF}">
-                  <a14:hiddenLine xmlns:a14="http://schemas.microsoft.com/office/drawing/2010/main" xmlns="" w="9525">
+                  <a14:hiddenLine xmlns="" xmlns:a14="http://schemas.microsoft.com/office/drawing/2010/main" w="9525">
                     <a:solidFill>
                       <a:srgbClr val="000000"/>
                     </a:solidFill>
@@ -15727,7 +15732,7 @@
               </a:ln>
               <a:extLst>
                 <a:ext uri="{91240B29-F687-4f45-9708-019B960494DF}">
-                  <a14:hiddenLine xmlns:a14="http://schemas.microsoft.com/office/drawing/2010/main" xmlns="" w="9525">
+                  <a14:hiddenLine xmlns="" xmlns:a14="http://schemas.microsoft.com/office/drawing/2010/main" w="9525">
                     <a:solidFill>
                       <a:srgbClr val="000000"/>
                     </a:solidFill>
@@ -15817,7 +15822,7 @@
               </a:ln>
               <a:extLst>
                 <a:ext uri="{91240B29-F687-4f45-9708-019B960494DF}">
-                  <a14:hiddenLine xmlns:a14="http://schemas.microsoft.com/office/drawing/2010/main" xmlns="" w="9525">
+                  <a14:hiddenLine xmlns="" xmlns:a14="http://schemas.microsoft.com/office/drawing/2010/main" w="9525">
                     <a:solidFill>
                       <a:srgbClr val="000000"/>
                     </a:solidFill>
@@ -15879,7 +15884,7 @@
               </a:ln>
               <a:extLst>
                 <a:ext uri="{91240B29-F687-4f45-9708-019B960494DF}">
-                  <a14:hiddenLine xmlns:a14="http://schemas.microsoft.com/office/drawing/2010/main" xmlns="" w="9525">
+                  <a14:hiddenLine xmlns="" xmlns:a14="http://schemas.microsoft.com/office/drawing/2010/main" w="9525">
                     <a:solidFill>
                       <a:srgbClr val="000000"/>
                     </a:solidFill>
@@ -15941,7 +15946,7 @@
               </a:ln>
               <a:extLst>
                 <a:ext uri="{91240B29-F687-4f45-9708-019B960494DF}">
-                  <a14:hiddenLine xmlns:a14="http://schemas.microsoft.com/office/drawing/2010/main" xmlns="" w="9525">
+                  <a14:hiddenLine xmlns="" xmlns:a14="http://schemas.microsoft.com/office/drawing/2010/main" w="9525">
                     <a:solidFill>
                       <a:srgbClr val="000000"/>
                     </a:solidFill>
@@ -16031,7 +16036,7 @@
               </a:ln>
               <a:extLst>
                 <a:ext uri="{91240B29-F687-4f45-9708-019B960494DF}">
-                  <a14:hiddenLine xmlns:a14="http://schemas.microsoft.com/office/drawing/2010/main" xmlns="" w="9525">
+                  <a14:hiddenLine xmlns="" xmlns:a14="http://schemas.microsoft.com/office/drawing/2010/main" w="9525">
                     <a:solidFill>
                       <a:srgbClr val="000000"/>
                     </a:solidFill>
@@ -16121,7 +16126,7 @@
               </a:ln>
               <a:extLst>
                 <a:ext uri="{91240B29-F687-4f45-9708-019B960494DF}">
-                  <a14:hiddenLine xmlns:a14="http://schemas.microsoft.com/office/drawing/2010/main" xmlns="" w="9525">
+                  <a14:hiddenLine xmlns="" xmlns:a14="http://schemas.microsoft.com/office/drawing/2010/main" w="9525">
                     <a:solidFill>
                       <a:srgbClr val="000000"/>
                     </a:solidFill>
@@ -16183,7 +16188,7 @@
               </a:ln>
               <a:extLst>
                 <a:ext uri="{91240B29-F687-4f45-9708-019B960494DF}">
-                  <a14:hiddenLine xmlns:a14="http://schemas.microsoft.com/office/drawing/2010/main" xmlns="" w="9525">
+                  <a14:hiddenLine xmlns="" xmlns:a14="http://schemas.microsoft.com/office/drawing/2010/main" w="9525">
                     <a:solidFill>
                       <a:srgbClr val="000000"/>
                     </a:solidFill>
@@ -16293,7 +16298,7 @@
               </a:ln>
               <a:extLst>
                 <a:ext uri="{91240B29-F687-4f45-9708-019B960494DF}">
-                  <a14:hiddenLine xmlns:a14="http://schemas.microsoft.com/office/drawing/2010/main" xmlns="" w="9525">
+                  <a14:hiddenLine xmlns="" xmlns:a14="http://schemas.microsoft.com/office/drawing/2010/main" w="9525">
                     <a:solidFill>
                       <a:srgbClr val="000000"/>
                     </a:solidFill>
@@ -16377,7 +16382,7 @@
               </a:ln>
               <a:extLst>
                 <a:ext uri="{91240B29-F687-4f45-9708-019B960494DF}">
-                  <a14:hiddenLine xmlns:a14="http://schemas.microsoft.com/office/drawing/2010/main" xmlns="" w="9525">
+                  <a14:hiddenLine xmlns="" xmlns:a14="http://schemas.microsoft.com/office/drawing/2010/main" w="9525">
                     <a:solidFill>
                       <a:srgbClr val="000000"/>
                     </a:solidFill>
@@ -16439,7 +16444,7 @@
               </a:ln>
               <a:extLst>
                 <a:ext uri="{91240B29-F687-4f45-9708-019B960494DF}">
-                  <a14:hiddenLine xmlns:a14="http://schemas.microsoft.com/office/drawing/2010/main" xmlns="" w="9525">
+                  <a14:hiddenLine xmlns="" xmlns:a14="http://schemas.microsoft.com/office/drawing/2010/main" w="9525">
                     <a:solidFill>
                       <a:srgbClr val="000000"/>
                     </a:solidFill>
@@ -16501,7 +16506,7 @@
               </a:ln>
               <a:extLst>
                 <a:ext uri="{91240B29-F687-4f45-9708-019B960494DF}">
-                  <a14:hiddenLine xmlns:a14="http://schemas.microsoft.com/office/drawing/2010/main" xmlns="" w="9525">
+                  <a14:hiddenLine xmlns="" xmlns:a14="http://schemas.microsoft.com/office/drawing/2010/main" w="9525">
                     <a:solidFill>
                       <a:srgbClr val="000000"/>
                     </a:solidFill>
@@ -16591,7 +16596,7 @@
               </a:ln>
               <a:extLst>
                 <a:ext uri="{91240B29-F687-4f45-9708-019B960494DF}">
-                  <a14:hiddenLine xmlns:a14="http://schemas.microsoft.com/office/drawing/2010/main" xmlns="" w="9525">
+                  <a14:hiddenLine xmlns="" xmlns:a14="http://schemas.microsoft.com/office/drawing/2010/main" w="9525">
                     <a:solidFill>
                       <a:srgbClr val="000000"/>
                     </a:solidFill>
@@ -16625,7 +16630,7 @@
               </a:ln>
               <a:extLst>
                 <a:ext uri="{91240B29-F687-4f45-9708-019B960494DF}">
-                  <a14:hiddenLine xmlns:a14="http://schemas.microsoft.com/office/drawing/2010/main" xmlns="" w="9525">
+                  <a14:hiddenLine xmlns="" xmlns:a14="http://schemas.microsoft.com/office/drawing/2010/main" w="9525">
                     <a:solidFill>
                       <a:srgbClr val="000000"/>
                     </a:solidFill>
@@ -16690,7 +16695,7 @@
               </a:ln>
               <a:extLst>
                 <a:ext uri="{91240B29-F687-4f45-9708-019B960494DF}">
-                  <a14:hiddenLine xmlns:a14="http://schemas.microsoft.com/office/drawing/2010/main" xmlns="" w="9525">
+                  <a14:hiddenLine xmlns="" xmlns:a14="http://schemas.microsoft.com/office/drawing/2010/main" w="9525">
                     <a:solidFill>
                       <a:srgbClr val="000000"/>
                     </a:solidFill>
@@ -16780,7 +16785,7 @@
               </a:ln>
               <a:extLst>
                 <a:ext uri="{91240B29-F687-4f45-9708-019B960494DF}">
-                  <a14:hiddenLine xmlns:a14="http://schemas.microsoft.com/office/drawing/2010/main" xmlns="" w="9525">
+                  <a14:hiddenLine xmlns="" xmlns:a14="http://schemas.microsoft.com/office/drawing/2010/main" w="9525">
                     <a:solidFill>
                       <a:srgbClr val="000000"/>
                     </a:solidFill>
@@ -16842,7 +16847,7 @@
               </a:ln>
               <a:extLst>
                 <a:ext uri="{91240B29-F687-4f45-9708-019B960494DF}">
-                  <a14:hiddenLine xmlns:a14="http://schemas.microsoft.com/office/drawing/2010/main" xmlns="" w="9525">
+                  <a14:hiddenLine xmlns="" xmlns:a14="http://schemas.microsoft.com/office/drawing/2010/main" w="9525">
                     <a:solidFill>
                       <a:srgbClr val="000000"/>
                     </a:solidFill>
@@ -16932,7 +16937,7 @@
               </a:ln>
               <a:extLst>
                 <a:ext uri="{91240B29-F687-4f45-9708-019B960494DF}">
-                  <a14:hiddenLine xmlns:a14="http://schemas.microsoft.com/office/drawing/2010/main" xmlns="" w="9525">
+                  <a14:hiddenLine xmlns="" xmlns:a14="http://schemas.microsoft.com/office/drawing/2010/main" w="9525">
                     <a:solidFill>
                       <a:srgbClr val="000000"/>
                     </a:solidFill>
@@ -16997,7 +17002,7 @@
               </a:ln>
               <a:extLst>
                 <a:ext uri="{91240B29-F687-4f45-9708-019B960494DF}">
-                  <a14:hiddenLine xmlns:a14="http://schemas.microsoft.com/office/drawing/2010/main" xmlns="" w="9525">
+                  <a14:hiddenLine xmlns="" xmlns:a14="http://schemas.microsoft.com/office/drawing/2010/main" w="9525">
                     <a:solidFill>
                       <a:srgbClr val="000000"/>
                     </a:solidFill>
@@ -17059,7 +17064,7 @@
               </a:ln>
               <a:extLst>
                 <a:ext uri="{91240B29-F687-4f45-9708-019B960494DF}">
-                  <a14:hiddenLine xmlns:a14="http://schemas.microsoft.com/office/drawing/2010/main" xmlns="" w="9525">
+                  <a14:hiddenLine xmlns="" xmlns:a14="http://schemas.microsoft.com/office/drawing/2010/main" w="9525">
                     <a:solidFill>
                       <a:srgbClr val="000000"/>
                     </a:solidFill>
@@ -17149,7 +17154,7 @@
               </a:ln>
               <a:extLst>
                 <a:ext uri="{91240B29-F687-4f45-9708-019B960494DF}">
-                  <a14:hiddenLine xmlns:a14="http://schemas.microsoft.com/office/drawing/2010/main" xmlns="" w="9525">
+                  <a14:hiddenLine xmlns="" xmlns:a14="http://schemas.microsoft.com/office/drawing/2010/main" w="9525">
                     <a:solidFill>
                       <a:srgbClr val="000000"/>
                     </a:solidFill>
@@ -17239,7 +17244,7 @@
               </a:ln>
               <a:extLst>
                 <a:ext uri="{91240B29-F687-4f45-9708-019B960494DF}">
-                  <a14:hiddenLine xmlns:a14="http://schemas.microsoft.com/office/drawing/2010/main" xmlns="" w="9525">
+                  <a14:hiddenLine xmlns="" xmlns:a14="http://schemas.microsoft.com/office/drawing/2010/main" w="9525">
                     <a:solidFill>
                       <a:srgbClr val="000000"/>
                     </a:solidFill>
@@ -17304,7 +17309,7 @@
               </a:ln>
               <a:extLst>
                 <a:ext uri="{91240B29-F687-4f45-9708-019B960494DF}">
-                  <a14:hiddenLine xmlns:a14="http://schemas.microsoft.com/office/drawing/2010/main" xmlns="" w="9525">
+                  <a14:hiddenLine xmlns="" xmlns:a14="http://schemas.microsoft.com/office/drawing/2010/main" w="9525">
                     <a:solidFill>
                       <a:srgbClr val="000000"/>
                     </a:solidFill>
@@ -17424,7 +17429,7 @@
               </a:ln>
               <a:extLst>
                 <a:ext uri="{91240B29-F687-4f45-9708-019B960494DF}">
-                  <a14:hiddenLine xmlns:a14="http://schemas.microsoft.com/office/drawing/2010/main" xmlns="" w="9525">
+                  <a14:hiddenLine xmlns="" xmlns:a14="http://schemas.microsoft.com/office/drawing/2010/main" w="9525">
                     <a:solidFill>
                       <a:srgbClr val="000000"/>
                     </a:solidFill>
@@ -17505,7 +17510,7 @@
               </a:ln>
               <a:extLst>
                 <a:ext uri="{91240B29-F687-4f45-9708-019B960494DF}">
-                  <a14:hiddenLine xmlns:a14="http://schemas.microsoft.com/office/drawing/2010/main" xmlns="" w="9525">
+                  <a14:hiddenLine xmlns="" xmlns:a14="http://schemas.microsoft.com/office/drawing/2010/main" w="9525">
                     <a:solidFill>
                       <a:srgbClr val="000000"/>
                     </a:solidFill>
@@ -17620,7 +17625,7 @@
               </a:ln>
               <a:extLst>
                 <a:ext uri="{91240B29-F687-4f45-9708-019B960494DF}">
-                  <a14:hiddenLine xmlns:a14="http://schemas.microsoft.com/office/drawing/2010/main" xmlns="" w="9525">
+                  <a14:hiddenLine xmlns="" xmlns:a14="http://schemas.microsoft.com/office/drawing/2010/main" w="9525">
                     <a:solidFill>
                       <a:srgbClr val="000000"/>
                     </a:solidFill>
@@ -17710,7 +17715,7 @@
               </a:ln>
               <a:extLst>
                 <a:ext uri="{91240B29-F687-4f45-9708-019B960494DF}">
-                  <a14:hiddenLine xmlns:a14="http://schemas.microsoft.com/office/drawing/2010/main" xmlns="" w="9525">
+                  <a14:hiddenLine xmlns="" xmlns:a14="http://schemas.microsoft.com/office/drawing/2010/main" w="9525">
                     <a:solidFill>
                       <a:srgbClr val="000000"/>
                     </a:solidFill>
@@ -17775,7 +17780,7 @@
               </a:ln>
               <a:extLst>
                 <a:ext uri="{91240B29-F687-4f45-9708-019B960494DF}">
-                  <a14:hiddenLine xmlns:a14="http://schemas.microsoft.com/office/drawing/2010/main" xmlns="" w="9525">
+                  <a14:hiddenLine xmlns="" xmlns:a14="http://schemas.microsoft.com/office/drawing/2010/main" w="9525">
                     <a:solidFill>
                       <a:srgbClr val="000000"/>
                     </a:solidFill>
@@ -17865,7 +17870,7 @@
               </a:ln>
               <a:extLst>
                 <a:ext uri="{91240B29-F687-4f45-9708-019B960494DF}">
-                  <a14:hiddenLine xmlns:a14="http://schemas.microsoft.com/office/drawing/2010/main" xmlns="" w="9525">
+                  <a14:hiddenLine xmlns="" xmlns:a14="http://schemas.microsoft.com/office/drawing/2010/main" w="9525">
                     <a:solidFill>
                       <a:srgbClr val="000000"/>
                     </a:solidFill>
@@ -17933,7 +17938,7 @@
               </a:ln>
               <a:extLst>
                 <a:ext uri="{91240B29-F687-4f45-9708-019B960494DF}">
-                  <a14:hiddenLine xmlns:a14="http://schemas.microsoft.com/office/drawing/2010/main" xmlns="" w="9525">
+                  <a14:hiddenLine xmlns="" xmlns:a14="http://schemas.microsoft.com/office/drawing/2010/main" w="9525">
                     <a:solidFill>
                       <a:srgbClr val="000000"/>
                     </a:solidFill>
@@ -18023,7 +18028,7 @@
               </a:ln>
               <a:extLst>
                 <a:ext uri="{91240B29-F687-4f45-9708-019B960494DF}">
-                  <a14:hiddenLine xmlns:a14="http://schemas.microsoft.com/office/drawing/2010/main" xmlns="" w="9525">
+                  <a14:hiddenLine xmlns="" xmlns:a14="http://schemas.microsoft.com/office/drawing/2010/main" w="9525">
                     <a:solidFill>
                       <a:srgbClr val="000000"/>
                     </a:solidFill>
@@ -18091,7 +18096,7 @@
               </a:ln>
               <a:extLst>
                 <a:ext uri="{91240B29-F687-4f45-9708-019B960494DF}">
-                  <a14:hiddenLine xmlns:a14="http://schemas.microsoft.com/office/drawing/2010/main" xmlns="" w="9525">
+                  <a14:hiddenLine xmlns="" xmlns:a14="http://schemas.microsoft.com/office/drawing/2010/main" w="9525">
                     <a:solidFill>
                       <a:srgbClr val="000000"/>
                     </a:solidFill>
@@ -18181,7 +18186,7 @@
               </a:ln>
               <a:extLst>
                 <a:ext uri="{91240B29-F687-4f45-9708-019B960494DF}">
-                  <a14:hiddenLine xmlns:a14="http://schemas.microsoft.com/office/drawing/2010/main" xmlns="" w="9525">
+                  <a14:hiddenLine xmlns="" xmlns:a14="http://schemas.microsoft.com/office/drawing/2010/main" w="9525">
                     <a:solidFill>
                       <a:srgbClr val="000000"/>
                     </a:solidFill>
@@ -18215,7 +18220,7 @@
               </a:ln>
               <a:extLst>
                 <a:ext uri="{91240B29-F687-4f45-9708-019B960494DF}">
-                  <a14:hiddenLine xmlns:a14="http://schemas.microsoft.com/office/drawing/2010/main" xmlns="" w="9525">
+                  <a14:hiddenLine xmlns="" xmlns:a14="http://schemas.microsoft.com/office/drawing/2010/main" w="9525">
                     <a:solidFill>
                       <a:srgbClr val="000000"/>
                     </a:solidFill>
@@ -18356,7 +18361,7 @@
             <a:fld id="{A5B0A250-5CC0-1746-B209-08E8B0DAE6AF}" type="datetimeFigureOut">
               <a:rPr lang="en-US" smtClean="0"/>
               <a:pPr/>
-              <a:t>11/29/2021</a:t>
+              <a:t>12/12/2021</a:t>
             </a:fld>
             <a:endParaRPr lang="en-US" dirty="0"/>
           </a:p>
@@ -18848,14 +18853,27 @@
               </a:lnSpc>
             </a:pPr>
             <a:r>
-              <a:rPr lang="en-US" sz="4200" b="1">
+              <a:rPr lang="en-US" sz="4200" b="1" dirty="0">
+                <a:solidFill>
+                  <a:schemeClr val="bg1">
+                    <a:lumMod val="85000"/>
+                    <a:lumOff val="15000"/>
+                  </a:schemeClr>
+                </a:solidFill>
                 <a:effectLst/>
                 <a:latin typeface="Times New Roman" panose="02020603050405020304" pitchFamily="18" charset="0"/>
                 <a:ea typeface="Times New Roman" panose="02020603050405020304" pitchFamily="18" charset="0"/>
               </a:rPr>
               <a:t>Study of LSTM applicability: Weather and Stock prediction </a:t>
             </a:r>
-            <a:endParaRPr lang="en-US" sz="4200" dirty="0"/>
+            <a:endParaRPr lang="en-US" sz="4200" dirty="0">
+              <a:solidFill>
+                <a:schemeClr val="bg1">
+                  <a:lumMod val="85000"/>
+                  <a:lumOff val="15000"/>
+                </a:schemeClr>
+              </a:solidFill>
+            </a:endParaRPr>
           </a:p>
         </p:txBody>
       </p:sp>
@@ -18877,8 +18895,8 @@
         </p:nvSpPr>
         <p:spPr>
           <a:xfrm>
-            <a:off x="565151" y="4283239"/>
-            <a:ext cx="4134538" cy="1475177"/>
+            <a:off x="565150" y="4283239"/>
+            <a:ext cx="4907997" cy="2077804"/>
           </a:xfrm>
         </p:spPr>
         <p:txBody>
@@ -18888,16 +18906,105 @@
           <a:lstStyle/>
           <a:p>
             <a:r>
-              <a:rPr lang="en-US"/>
+              <a:rPr lang="en-US" dirty="0">
+                <a:solidFill>
+                  <a:schemeClr val="accent2">
+                    <a:lumMod val="50000"/>
+                  </a:schemeClr>
+                </a:solidFill>
+              </a:rPr>
               <a:t>Prepared By </a:t>
             </a:r>
           </a:p>
           <a:p>
             <a:r>
-              <a:rPr lang="en-US"/>
-              <a:t>	Arijit Dey</a:t>
+              <a:rPr lang="en-US" dirty="0">
+                <a:solidFill>
+                  <a:schemeClr val="accent2">
+                    <a:lumMod val="50000"/>
+                  </a:schemeClr>
+                </a:solidFill>
+              </a:rPr>
+              <a:t>	</a:t>
             </a:r>
-            <a:endParaRPr lang="en-US" dirty="0"/>
+            <a:r>
+              <a:rPr lang="en-US">
+                <a:solidFill>
+                  <a:schemeClr val="accent2">
+                    <a:lumMod val="50000"/>
+                  </a:schemeClr>
+                </a:solidFill>
+              </a:rPr>
+              <a:t>Arijit Dey(01944575)</a:t>
+            </a:r>
+            <a:endParaRPr lang="en-US" dirty="0">
+              <a:solidFill>
+                <a:schemeClr val="accent2">
+                  <a:lumMod val="50000"/>
+                </a:schemeClr>
+              </a:solidFill>
+            </a:endParaRPr>
+          </a:p>
+          <a:p>
+            <a:r>
+              <a:rPr lang="en-US" dirty="0">
+                <a:solidFill>
+                  <a:schemeClr val="accent2">
+                    <a:lumMod val="50000"/>
+                  </a:schemeClr>
+                </a:solidFill>
+              </a:rPr>
+              <a:t>Advisor </a:t>
+            </a:r>
+          </a:p>
+          <a:p>
+            <a:r>
+              <a:rPr lang="en-US" dirty="0">
+                <a:solidFill>
+                  <a:schemeClr val="accent2">
+                    <a:lumMod val="50000"/>
+                  </a:schemeClr>
+                </a:solidFill>
+              </a:rPr>
+              <a:t>	Prof. Iren </a:t>
+            </a:r>
+            <a:r>
+              <a:rPr lang="en-US" dirty="0" err="1">
+                <a:solidFill>
+                  <a:schemeClr val="accent2">
+                    <a:lumMod val="50000"/>
+                  </a:schemeClr>
+                </a:solidFill>
+              </a:rPr>
+              <a:t>todorova</a:t>
+            </a:r>
+            <a:r>
+              <a:rPr lang="en-US" dirty="0">
+                <a:solidFill>
+                  <a:schemeClr val="accent2">
+                    <a:lumMod val="50000"/>
+                  </a:schemeClr>
+                </a:solidFill>
+              </a:rPr>
+              <a:t> </a:t>
+            </a:r>
+            <a:r>
+              <a:rPr lang="en-US" dirty="0" err="1">
+                <a:solidFill>
+                  <a:schemeClr val="accent2">
+                    <a:lumMod val="50000"/>
+                  </a:schemeClr>
+                </a:solidFill>
+              </a:rPr>
+              <a:t>valova</a:t>
+            </a:r>
+            <a:endParaRPr lang="en-US" dirty="0">
+              <a:solidFill>
+                <a:schemeClr val="accent2">
+                  <a:lumMod val="50000"/>
+                </a:schemeClr>
+              </a:solidFill>
+            </a:endParaRPr>
           </a:p>
         </p:txBody>
       </p:sp>
